--- a/Metodologias agiles.pptx
+++ b/Metodologias agiles.pptx
@@ -5,7 +5,7 @@
     <p:sldMasterId id="2147483648" r:id="rId1"/>
   </p:sldMasterIdLst>
   <p:notesMasterIdLst>
-    <p:notesMasterId r:id="rId9"/>
+    <p:notesMasterId r:id="rId10"/>
   </p:notesMasterIdLst>
   <p:sldIdLst>
     <p:sldId id="288" r:id="rId2"/>
@@ -15,6 +15,7 @@
     <p:sldId id="301" r:id="rId6"/>
     <p:sldId id="300" r:id="rId7"/>
     <p:sldId id="298" r:id="rId8"/>
+    <p:sldId id="304" r:id="rId9"/>
   </p:sldIdLst>
   <p:sldSz cx="12192000" cy="6858000"/>
   <p:notesSz cx="6858000" cy="9144000"/>
@@ -214,7 +215,7 @@
           <a:p>
             <a:fld id="{8B087042-5241-4181-B7A1-4320B0103CF7}" type="datetimeFigureOut">
               <a:rPr lang="en-US" smtClean="0"/>
-              <a:t>11/23/2025</a:t>
+              <a:t>11/26/2025</a:t>
             </a:fld>
             <a:endParaRPr lang="en-US"/>
           </a:p>
@@ -372,7 +373,7 @@
           <a:p>
             <a:fld id="{0849EF29-5AC8-46C5-A7C9-4193975574C2}" type="slidenum">
               <a:rPr lang="en-US" smtClean="0"/>
-              <a:t>‹#›</a:t>
+              <a:t>‹Nº›</a:t>
             </a:fld>
             <a:endParaRPr lang="en-US"/>
           </a:p>
@@ -1213,6 +1214,114 @@
 </p:notes>
 </file>
 
+<file path=ppt/notesSlides/notesSlide8.xml><?xml version="1.0" encoding="utf-8"?>
+<p:notes xmlns:a="http://schemas.openxmlformats.org/drawingml/2006/main" xmlns:r="http://schemas.openxmlformats.org/officeDocument/2006/relationships" xmlns:p="http://schemas.openxmlformats.org/presentationml/2006/main">
+  <p:cSld>
+    <p:spTree>
+      <p:nvGrpSpPr>
+        <p:cNvPr id="1" name="">
+          <a:extLst>
+            <a:ext uri="{FF2B5EF4-FFF2-40B4-BE49-F238E27FC236}">
+              <a16:creationId xmlns:a16="http://schemas.microsoft.com/office/drawing/2014/main" id="{960E471A-EA07-4E10-3850-392449D0D10B}"/>
+            </a:ext>
+          </a:extLst>
+        </p:cNvPr>
+        <p:cNvGrpSpPr/>
+        <p:nvPr/>
+      </p:nvGrpSpPr>
+      <p:grpSpPr>
+        <a:xfrm>
+          <a:off x="0" y="0"/>
+          <a:ext cx="0" cy="0"/>
+          <a:chOff x="0" y="0"/>
+          <a:chExt cx="0" cy="0"/>
+        </a:xfrm>
+      </p:grpSpPr>
+      <p:sp>
+        <p:nvSpPr>
+          <p:cNvPr id="2" name="Slide Image Placeholder 1">
+            <a:extLst>
+              <a:ext uri="{FF2B5EF4-FFF2-40B4-BE49-F238E27FC236}">
+                <a16:creationId xmlns:a16="http://schemas.microsoft.com/office/drawing/2014/main" id="{2D45935F-EEF9-406D-21C9-FB52B4A348BB}"/>
+              </a:ext>
+            </a:extLst>
+          </p:cNvPr>
+          <p:cNvSpPr>
+            <a:spLocks noGrp="1" noRot="1" noChangeAspect="1"/>
+          </p:cNvSpPr>
+          <p:nvPr>
+            <p:ph type="sldImg"/>
+          </p:nvPr>
+        </p:nvSpPr>
+        <p:spPr/>
+      </p:sp>
+      <p:sp>
+        <p:nvSpPr>
+          <p:cNvPr id="3" name="Notes Placeholder 2">
+            <a:extLst>
+              <a:ext uri="{FF2B5EF4-FFF2-40B4-BE49-F238E27FC236}">
+                <a16:creationId xmlns:a16="http://schemas.microsoft.com/office/drawing/2014/main" id="{48AF8037-91D7-EA9E-34C2-D06B6C147CBC}"/>
+              </a:ext>
+            </a:extLst>
+          </p:cNvPr>
+          <p:cNvSpPr>
+            <a:spLocks noGrp="1"/>
+          </p:cNvSpPr>
+          <p:nvPr>
+            <p:ph type="body" idx="1"/>
+          </p:nvPr>
+        </p:nvSpPr>
+        <p:spPr/>
+        <p:txBody>
+          <a:bodyPr/>
+          <a:lstStyle/>
+          <a:p>
+            <a:endParaRPr lang="en-US" dirty="0"/>
+          </a:p>
+        </p:txBody>
+      </p:sp>
+      <p:sp>
+        <p:nvSpPr>
+          <p:cNvPr id="4" name="Slide Number Placeholder 3">
+            <a:extLst>
+              <a:ext uri="{FF2B5EF4-FFF2-40B4-BE49-F238E27FC236}">
+                <a16:creationId xmlns:a16="http://schemas.microsoft.com/office/drawing/2014/main" id="{CCA047B6-900F-1359-4586-D8CF631998CC}"/>
+              </a:ext>
+            </a:extLst>
+          </p:cNvPr>
+          <p:cNvSpPr>
+            <a:spLocks noGrp="1"/>
+          </p:cNvSpPr>
+          <p:nvPr>
+            <p:ph type="sldNum" sz="quarter" idx="5"/>
+          </p:nvPr>
+        </p:nvSpPr>
+        <p:spPr/>
+        <p:txBody>
+          <a:bodyPr/>
+          <a:lstStyle/>
+          <a:p>
+            <a:fld id="{0849EF29-5AC8-46C5-A7C9-4193975574C2}" type="slidenum">
+              <a:rPr lang="en-US" smtClean="0"/>
+              <a:t>8</a:t>
+            </a:fld>
+            <a:endParaRPr lang="en-US"/>
+          </a:p>
+        </p:txBody>
+      </p:sp>
+    </p:spTree>
+    <p:extLst>
+      <p:ext uri="{BB962C8B-B14F-4D97-AF65-F5344CB8AC3E}">
+        <p14:creationId xmlns:p14="http://schemas.microsoft.com/office/powerpoint/2010/main" val="523456861"/>
+      </p:ext>
+    </p:extLst>
+  </p:cSld>
+  <p:clrMapOvr>
+    <a:masterClrMapping/>
+  </p:clrMapOvr>
+</p:notes>
+</file>
+
 <file path=ppt/slideLayouts/slideLayout1.xml><?xml version="1.0" encoding="utf-8"?>
 <p:sldLayout xmlns:a="http://schemas.openxmlformats.org/drawingml/2006/main" xmlns:r="http://schemas.openxmlformats.org/officeDocument/2006/relationships" xmlns:p="http://schemas.openxmlformats.org/presentationml/2006/main" type="title" preserve="1">
   <p:cSld name="Title Slide">
@@ -1360,7 +1469,7 @@
           <a:p>
             <a:fld id="{5E06A54E-7C1F-442E-9633-05573CE5A643}" type="datetimeFigureOut">
               <a:rPr lang="en-US" smtClean="0"/>
-              <a:t>11/23/2025</a:t>
+              <a:t>11/26/2025</a:t>
             </a:fld>
             <a:endParaRPr lang="en-US"/>
           </a:p>
@@ -1414,7 +1523,7 @@
           <a:p>
             <a:fld id="{0726243A-28E0-4C92-8992-2F1BD887A686}" type="slidenum">
               <a:rPr lang="en-US" smtClean="0"/>
-              <a:t>‹#›</a:t>
+              <a:t>‹Nº›</a:t>
             </a:fld>
             <a:endParaRPr lang="en-US"/>
           </a:p>
@@ -1558,7 +1667,7 @@
           <a:p>
             <a:fld id="{5E06A54E-7C1F-442E-9633-05573CE5A643}" type="datetimeFigureOut">
               <a:rPr lang="en-US" smtClean="0"/>
-              <a:t>11/23/2025</a:t>
+              <a:t>11/26/2025</a:t>
             </a:fld>
             <a:endParaRPr lang="en-US"/>
           </a:p>
@@ -1612,7 +1721,7 @@
           <a:p>
             <a:fld id="{0726243A-28E0-4C92-8992-2F1BD887A686}" type="slidenum">
               <a:rPr lang="en-US" smtClean="0"/>
-              <a:t>‹#›</a:t>
+              <a:t>‹Nº›</a:t>
             </a:fld>
             <a:endParaRPr lang="en-US"/>
           </a:p>
@@ -1766,7 +1875,7 @@
           <a:p>
             <a:fld id="{5E06A54E-7C1F-442E-9633-05573CE5A643}" type="datetimeFigureOut">
               <a:rPr lang="en-US" smtClean="0"/>
-              <a:t>11/23/2025</a:t>
+              <a:t>11/26/2025</a:t>
             </a:fld>
             <a:endParaRPr lang="en-US"/>
           </a:p>
@@ -1820,7 +1929,7 @@
           <a:p>
             <a:fld id="{0726243A-28E0-4C92-8992-2F1BD887A686}" type="slidenum">
               <a:rPr lang="en-US" smtClean="0"/>
-              <a:t>‹#›</a:t>
+              <a:t>‹Nº›</a:t>
             </a:fld>
             <a:endParaRPr lang="en-US"/>
           </a:p>
@@ -1964,7 +2073,7 @@
           <a:p>
             <a:fld id="{5E06A54E-7C1F-442E-9633-05573CE5A643}" type="datetimeFigureOut">
               <a:rPr lang="en-US" smtClean="0"/>
-              <a:t>11/23/2025</a:t>
+              <a:t>11/26/2025</a:t>
             </a:fld>
             <a:endParaRPr lang="en-US"/>
           </a:p>
@@ -2018,7 +2127,7 @@
           <a:p>
             <a:fld id="{0726243A-28E0-4C92-8992-2F1BD887A686}" type="slidenum">
               <a:rPr lang="en-US" smtClean="0"/>
-              <a:t>‹#›</a:t>
+              <a:t>‹Nº›</a:t>
             </a:fld>
             <a:endParaRPr lang="en-US"/>
           </a:p>
@@ -2239,7 +2348,7 @@
           <a:p>
             <a:fld id="{5E06A54E-7C1F-442E-9633-05573CE5A643}" type="datetimeFigureOut">
               <a:rPr lang="en-US" smtClean="0"/>
-              <a:t>11/23/2025</a:t>
+              <a:t>11/26/2025</a:t>
             </a:fld>
             <a:endParaRPr lang="en-US"/>
           </a:p>
@@ -2293,7 +2402,7 @@
           <a:p>
             <a:fld id="{0726243A-28E0-4C92-8992-2F1BD887A686}" type="slidenum">
               <a:rPr lang="en-US" smtClean="0"/>
-              <a:t>‹#›</a:t>
+              <a:t>‹Nº›</a:t>
             </a:fld>
             <a:endParaRPr lang="en-US"/>
           </a:p>
@@ -2504,7 +2613,7 @@
           <a:p>
             <a:fld id="{5E06A54E-7C1F-442E-9633-05573CE5A643}" type="datetimeFigureOut">
               <a:rPr lang="en-US" smtClean="0"/>
-              <a:t>11/23/2025</a:t>
+              <a:t>11/26/2025</a:t>
             </a:fld>
             <a:endParaRPr lang="en-US"/>
           </a:p>
@@ -2558,7 +2667,7 @@
           <a:p>
             <a:fld id="{0726243A-28E0-4C92-8992-2F1BD887A686}" type="slidenum">
               <a:rPr lang="en-US" smtClean="0"/>
-              <a:t>‹#›</a:t>
+              <a:t>‹Nº›</a:t>
             </a:fld>
             <a:endParaRPr lang="en-US"/>
           </a:p>
@@ -2916,7 +3025,7 @@
           <a:p>
             <a:fld id="{5E06A54E-7C1F-442E-9633-05573CE5A643}" type="datetimeFigureOut">
               <a:rPr lang="en-US" smtClean="0"/>
-              <a:t>11/23/2025</a:t>
+              <a:t>11/26/2025</a:t>
             </a:fld>
             <a:endParaRPr lang="en-US"/>
           </a:p>
@@ -2970,7 +3079,7 @@
           <a:p>
             <a:fld id="{0726243A-28E0-4C92-8992-2F1BD887A686}" type="slidenum">
               <a:rPr lang="en-US" smtClean="0"/>
-              <a:t>‹#›</a:t>
+              <a:t>‹Nº›</a:t>
             </a:fld>
             <a:endParaRPr lang="en-US"/>
           </a:p>
@@ -3057,7 +3166,7 @@
           <a:p>
             <a:fld id="{5E06A54E-7C1F-442E-9633-05573CE5A643}" type="datetimeFigureOut">
               <a:rPr lang="en-US" smtClean="0"/>
-              <a:t>11/23/2025</a:t>
+              <a:t>11/26/2025</a:t>
             </a:fld>
             <a:endParaRPr lang="en-US"/>
           </a:p>
@@ -3111,7 +3220,7 @@
           <a:p>
             <a:fld id="{0726243A-28E0-4C92-8992-2F1BD887A686}" type="slidenum">
               <a:rPr lang="en-US" smtClean="0"/>
-              <a:t>‹#›</a:t>
+              <a:t>‹Nº›</a:t>
             </a:fld>
             <a:endParaRPr lang="en-US"/>
           </a:p>
@@ -3170,7 +3279,7 @@
           <a:p>
             <a:fld id="{5E06A54E-7C1F-442E-9633-05573CE5A643}" type="datetimeFigureOut">
               <a:rPr lang="en-US" smtClean="0"/>
-              <a:t>11/23/2025</a:t>
+              <a:t>11/26/2025</a:t>
             </a:fld>
             <a:endParaRPr lang="en-US"/>
           </a:p>
@@ -3224,7 +3333,7 @@
           <a:p>
             <a:fld id="{0726243A-28E0-4C92-8992-2F1BD887A686}" type="slidenum">
               <a:rPr lang="en-US" smtClean="0"/>
-              <a:t>‹#›</a:t>
+              <a:t>‹Nº›</a:t>
             </a:fld>
             <a:endParaRPr lang="en-US"/>
           </a:p>
@@ -3481,7 +3590,7 @@
           <a:p>
             <a:fld id="{5E06A54E-7C1F-442E-9633-05573CE5A643}" type="datetimeFigureOut">
               <a:rPr lang="en-US" smtClean="0"/>
-              <a:t>11/23/2025</a:t>
+              <a:t>11/26/2025</a:t>
             </a:fld>
             <a:endParaRPr lang="en-US"/>
           </a:p>
@@ -3535,7 +3644,7 @@
           <a:p>
             <a:fld id="{0726243A-28E0-4C92-8992-2F1BD887A686}" type="slidenum">
               <a:rPr lang="en-US" smtClean="0"/>
-              <a:t>‹#›</a:t>
+              <a:t>‹Nº›</a:t>
             </a:fld>
             <a:endParaRPr lang="en-US"/>
           </a:p>
@@ -3769,7 +3878,7 @@
           <a:p>
             <a:fld id="{5E06A54E-7C1F-442E-9633-05573CE5A643}" type="datetimeFigureOut">
               <a:rPr lang="en-US" smtClean="0"/>
-              <a:t>11/23/2025</a:t>
+              <a:t>11/26/2025</a:t>
             </a:fld>
             <a:endParaRPr lang="en-US"/>
           </a:p>
@@ -3823,7 +3932,7 @@
           <a:p>
             <a:fld id="{0726243A-28E0-4C92-8992-2F1BD887A686}" type="slidenum">
               <a:rPr lang="en-US" smtClean="0"/>
-              <a:t>‹#›</a:t>
+              <a:t>‹Nº›</a:t>
             </a:fld>
             <a:endParaRPr lang="en-US"/>
           </a:p>
@@ -4010,7 +4119,7 @@
           <a:p>
             <a:fld id="{5E06A54E-7C1F-442E-9633-05573CE5A643}" type="datetimeFigureOut">
               <a:rPr lang="en-US" smtClean="0"/>
-              <a:t>11/23/2025</a:t>
+              <a:t>11/26/2025</a:t>
             </a:fld>
             <a:endParaRPr lang="en-US"/>
           </a:p>
@@ -4100,7 +4209,7 @@
           <a:p>
             <a:fld id="{0726243A-28E0-4C92-8992-2F1BD887A686}" type="slidenum">
               <a:rPr lang="en-US" smtClean="0"/>
-              <a:t>‹#›</a:t>
+              <a:t>‹Nº›</a:t>
             </a:fld>
             <a:endParaRPr lang="en-US"/>
           </a:p>
@@ -10037,13 +10146,13 @@
   <p:clrMapOvr>
     <a:masterClrMapping/>
   </p:clrMapOvr>
-  <mc:AlternateContent xmlns:mc="http://schemas.openxmlformats.org/markup-compatibility/2006">
-    <mc:Choice xmlns:p159="http://schemas.microsoft.com/office/powerpoint/2015/09/main" Requires="p159">
+  <mc:AlternateContent xmlns:mc="http://schemas.openxmlformats.org/markup-compatibility/2006" xmlns:p159="http://schemas.microsoft.com/office/powerpoint/2015/09/main">
+    <mc:Choice Requires="p159">
       <p:transition xmlns:p14="http://schemas.microsoft.com/office/powerpoint/2010/main" spd="slow" p14:dur="2000">
         <p159:morph option="byObject"/>
       </p:transition>
     </mc:Choice>
-    <mc:Fallback>
+    <mc:Fallback xmlns="">
       <p:transition spd="slow">
         <p:fade/>
       </p:transition>
@@ -12810,13 +12919,13 @@
   <p:clrMapOvr>
     <a:masterClrMapping/>
   </p:clrMapOvr>
-  <mc:AlternateContent xmlns:mc="http://schemas.openxmlformats.org/markup-compatibility/2006">
-    <mc:Choice xmlns:p159="http://schemas.microsoft.com/office/powerpoint/2015/09/main" Requires="p159">
+  <mc:AlternateContent xmlns:mc="http://schemas.openxmlformats.org/markup-compatibility/2006" xmlns:p159="http://schemas.microsoft.com/office/powerpoint/2015/09/main">
+    <mc:Choice Requires="p159">
       <p:transition xmlns:p14="http://schemas.microsoft.com/office/powerpoint/2010/main" spd="slow" p14:dur="2000">
         <p159:morph option="byObject"/>
       </p:transition>
     </mc:Choice>
-    <mc:Fallback>
+    <mc:Fallback xmlns="">
       <p:transition spd="slow">
         <p:fade/>
       </p:transition>
@@ -15583,13 +15692,13 @@
   <p:clrMapOvr>
     <a:masterClrMapping/>
   </p:clrMapOvr>
-  <mc:AlternateContent xmlns:mc="http://schemas.openxmlformats.org/markup-compatibility/2006">
-    <mc:Choice xmlns:p159="http://schemas.microsoft.com/office/powerpoint/2015/09/main" Requires="p159">
+  <mc:AlternateContent xmlns:mc="http://schemas.openxmlformats.org/markup-compatibility/2006" xmlns:p159="http://schemas.microsoft.com/office/powerpoint/2015/09/main">
+    <mc:Choice Requires="p159">
       <p:transition xmlns:p14="http://schemas.microsoft.com/office/powerpoint/2010/main" spd="slow" p14:dur="2000">
         <p159:morph option="byObject"/>
       </p:transition>
     </mc:Choice>
-    <mc:Fallback>
+    <mc:Fallback xmlns="">
       <p:transition spd="slow">
         <p:fade/>
       </p:transition>
@@ -18356,13 +18465,13 @@
   <p:clrMapOvr>
     <a:masterClrMapping/>
   </p:clrMapOvr>
-  <mc:AlternateContent xmlns:mc="http://schemas.openxmlformats.org/markup-compatibility/2006">
-    <mc:Choice xmlns:p159="http://schemas.microsoft.com/office/powerpoint/2015/09/main" Requires="p159">
+  <mc:AlternateContent xmlns:mc="http://schemas.openxmlformats.org/markup-compatibility/2006" xmlns:p159="http://schemas.microsoft.com/office/powerpoint/2015/09/main">
+    <mc:Choice Requires="p159">
       <p:transition xmlns:p14="http://schemas.microsoft.com/office/powerpoint/2010/main" spd="slow" p14:dur="2000">
         <p159:morph option="byObject"/>
       </p:transition>
     </mc:Choice>
-    <mc:Fallback>
+    <mc:Fallback xmlns="">
       <p:transition spd="slow">
         <p:fade/>
       </p:transition>
@@ -21129,13 +21238,13 @@
   <p:clrMapOvr>
     <a:masterClrMapping/>
   </p:clrMapOvr>
-  <mc:AlternateContent xmlns:mc="http://schemas.openxmlformats.org/markup-compatibility/2006">
-    <mc:Choice xmlns:p159="http://schemas.microsoft.com/office/powerpoint/2015/09/main" Requires="p159">
+  <mc:AlternateContent xmlns:mc="http://schemas.openxmlformats.org/markup-compatibility/2006" xmlns:p159="http://schemas.microsoft.com/office/powerpoint/2015/09/main">
+    <mc:Choice Requires="p159">
       <p:transition xmlns:p14="http://schemas.microsoft.com/office/powerpoint/2010/main" spd="slow" p14:dur="2000">
         <p159:morph option="byObject"/>
       </p:transition>
     </mc:Choice>
-    <mc:Fallback>
+    <mc:Fallback xmlns="">
       <p:transition spd="slow">
         <p:fade/>
       </p:transition>
@@ -23902,10 +24011,102 @@
   <p:clrMapOvr>
     <a:masterClrMapping/>
   </p:clrMapOvr>
-  <mc:AlternateContent xmlns:mc="http://schemas.openxmlformats.org/markup-compatibility/2006">
-    <mc:Choice xmlns:p159="http://schemas.microsoft.com/office/powerpoint/2015/09/main" Requires="p159">
+  <mc:AlternateContent xmlns:mc="http://schemas.openxmlformats.org/markup-compatibility/2006" xmlns:p159="http://schemas.microsoft.com/office/powerpoint/2015/09/main">
+    <mc:Choice Requires="p159">
       <p:transition xmlns:p14="http://schemas.microsoft.com/office/powerpoint/2010/main" spd="slow" p14:dur="2000">
         <p159:morph option="byObject"/>
+      </p:transition>
+    </mc:Choice>
+    <mc:Fallback xmlns="">
+      <p:transition spd="slow">
+        <p:fade/>
+      </p:transition>
+    </mc:Fallback>
+  </mc:AlternateContent>
+</p:sld>
+</file>
+
+<file path=ppt/slides/slide8.xml><?xml version="1.0" encoding="utf-8"?>
+<p:sld xmlns:a="http://schemas.openxmlformats.org/drawingml/2006/main" xmlns:r="http://schemas.openxmlformats.org/officeDocument/2006/relationships" xmlns:p="http://schemas.openxmlformats.org/presentationml/2006/main">
+  <p:cSld>
+    <p:bg>
+      <p:bgPr>
+        <a:solidFill>
+          <a:srgbClr val="0C0A14"/>
+        </a:solidFill>
+        <a:effectLst/>
+      </p:bgPr>
+    </p:bg>
+    <p:spTree>
+      <p:nvGrpSpPr>
+        <p:cNvPr id="1" name="">
+          <a:extLst>
+            <a:ext uri="{FF2B5EF4-FFF2-40B4-BE49-F238E27FC236}">
+              <a16:creationId xmlns:a16="http://schemas.microsoft.com/office/drawing/2014/main" id="{FCC92CFD-F732-A194-6589-2FF19C1495CD}"/>
+            </a:ext>
+          </a:extLst>
+        </p:cNvPr>
+        <p:cNvGrpSpPr/>
+        <p:nvPr/>
+      </p:nvGrpSpPr>
+      <p:grpSpPr>
+        <a:xfrm>
+          <a:off x="0" y="0"/>
+          <a:ext cx="0" cy="0"/>
+          <a:chOff x="0" y="0"/>
+          <a:chExt cx="0" cy="0"/>
+        </a:xfrm>
+      </p:grpSpPr>
+      <p:pic>
+        <p:nvPicPr>
+          <p:cNvPr id="14" name="Imagen 13">
+            <a:extLst>
+              <a:ext uri="{FF2B5EF4-FFF2-40B4-BE49-F238E27FC236}">
+                <a16:creationId xmlns:a16="http://schemas.microsoft.com/office/drawing/2014/main" id="{BAF9B00F-C7ED-4692-921E-F0C27177E33D}"/>
+              </a:ext>
+            </a:extLst>
+          </p:cNvPr>
+          <p:cNvPicPr>
+            <a:picLocks noChangeAspect="1"/>
+          </p:cNvPicPr>
+          <p:nvPr/>
+        </p:nvPicPr>
+        <p:blipFill>
+          <a:blip r:embed="rId3">
+            <a:extLst>
+              <a:ext uri="{28A0092B-C50C-407E-A947-70E740481C1C}">
+                <a14:useLocalDpi xmlns:a14="http://schemas.microsoft.com/office/drawing/2010/main" val="0"/>
+              </a:ext>
+            </a:extLst>
+          </a:blip>
+          <a:stretch>
+            <a:fillRect/>
+          </a:stretch>
+        </p:blipFill>
+        <p:spPr>
+          <a:xfrm>
+            <a:off x="1" y="668921"/>
+            <a:ext cx="12192000" cy="5520158"/>
+          </a:xfrm>
+          <a:prstGeom prst="rect">
+            <a:avLst/>
+          </a:prstGeom>
+        </p:spPr>
+      </p:pic>
+    </p:spTree>
+    <p:extLst>
+      <p:ext uri="{BB962C8B-B14F-4D97-AF65-F5344CB8AC3E}">
+        <p14:creationId xmlns:p14="http://schemas.microsoft.com/office/powerpoint/2010/main" val="2715620181"/>
+      </p:ext>
+    </p:extLst>
+  </p:cSld>
+  <p:clrMapOvr>
+    <a:masterClrMapping/>
+  </p:clrMapOvr>
+  <mc:AlternateContent xmlns:mc="http://schemas.openxmlformats.org/markup-compatibility/2006">
+    <mc:Choice xmlns:p14="http://schemas.microsoft.com/office/powerpoint/2010/main" Requires="p14">
+      <p:transition spd="slow" p14:dur="1600">
+        <p14:prism isContent="1" isInverted="1"/>
       </p:transition>
     </mc:Choice>
     <mc:Fallback>
